--- a/cs622_materials/Reliable Sustainable Code.pptx
+++ b/cs622_materials/Reliable Sustainable Code.pptx
@@ -174,8 +174,43 @@
         </p15:guide>
       </p15:sldGuideLst>
     </p:ext>
+    <p:ext uri="{2D200454-40CA-4A62-9FC3-DE9A4176ACB9}">
+      <p15:notesGuideLst xmlns:p15="http://schemas.microsoft.com/office/powerpoint/2012/main"/>
+    </p:ext>
   </p:extLst>
 </p:presentation>
+</file>
+
+<file path=ppt/authors.xml><?xml version="1.0" encoding="utf-8"?>
+<p188:authorLst xmlns:a="http://schemas.openxmlformats.org/drawingml/2006/main" xmlns:r="http://schemas.openxmlformats.org/officeDocument/2006/relationships" xmlns:p188="http://schemas.microsoft.com/office/powerpoint/2018/8/main">
+  <p188:author id="{54AC2949-DE10-DF52-009D-098EBEC026D7}" name="Kramer, Michael, Gabriel" initials="KMG" userId="Kramer, Michael, Gabriel" providerId="None"/>
+</p188:authorLst>
+</file>
+
+<file path=ppt/comments/modernComment_1E4_E3004E0.xml><?xml version="1.0" encoding="utf-8"?>
+<p188:cmLst xmlns:a="http://schemas.openxmlformats.org/drawingml/2006/main" xmlns:r="http://schemas.openxmlformats.org/officeDocument/2006/relationships" xmlns:p188="http://schemas.microsoft.com/office/powerpoint/2018/8/main">
+  <p188:cm id="{0BC0ED4C-B829-402B-ABA5-745716C1F62B}" authorId="{54AC2949-DE10-DF52-009D-098EBEC026D7}" created="2022-01-21T02:36:34.602">
+    <pc:sldMkLst xmlns:pc="http://schemas.microsoft.com/office/powerpoint/2013/main/command">
+      <pc:docMk/>
+      <pc:sldMk cId="238028000" sldId="484"/>
+    </pc:sldMkLst>
+    <p188:txBody>
+      <a:bodyPr/>
+      <a:lstStyle/>
+      <a:p>
+        <a:r>
+          <a:rPr lang="en-US"/>
+          <a:t>For MVC
+Typically you have One Model,One Controller and One View PER SCREEN you want to have 
+It comes down to the single responsibility principle 
+The Main Class can be it's own thing, like launching the app -&gt; then it could call any of the three MVC classes 
+Model == persistence classes
+MVC is user interface driven -&gt; so this isn't necessarily the logic classes like what the app actually does</a:t>
+        </a:r>
+      </a:p>
+    </p188:txBody>
+  </p188:cm>
+</p188:cmLst>
 </file>
 
 <file path=ppt/handoutMasters/handoutMaster1.xml><?xml version="1.0" encoding="utf-8"?>
@@ -2414,7 +2449,7 @@
               <a:pPr>
                 <a:defRPr/>
               </a:pPr>
-              <a:t>1/19/2022</a:t>
+              <a:t>1/20/2022</a:t>
             </a:fld>
             <a:endParaRPr lang="en-US"/>
           </a:p>
@@ -2638,7 +2673,7 @@
               <a:pPr>
                 <a:defRPr/>
               </a:pPr>
-              <a:t>1/19/2022</a:t>
+              <a:t>1/20/2022</a:t>
             </a:fld>
             <a:endParaRPr lang="en-US"/>
           </a:p>
@@ -2856,7 +2891,7 @@
           <a:p>
             <a:fld id="{9454E242-1075-47E0-A162-55C960B37C1C}" type="datetimeFigureOut">
               <a:rPr lang="en-US" smtClean="0"/>
-              <a:t>1/19/2022</a:t>
+              <a:t>1/20/2022</a:t>
             </a:fld>
             <a:endParaRPr lang="en-US"/>
           </a:p>
@@ -3024,7 +3059,7 @@
           <a:p>
             <a:fld id="{9454E242-1075-47E0-A162-55C960B37C1C}" type="datetimeFigureOut">
               <a:rPr lang="en-US" smtClean="0"/>
-              <a:t>1/19/2022</a:t>
+              <a:t>1/20/2022</a:t>
             </a:fld>
             <a:endParaRPr lang="en-US"/>
           </a:p>
@@ -3269,7 +3304,7 @@
           <a:p>
             <a:fld id="{9454E242-1075-47E0-A162-55C960B37C1C}" type="datetimeFigureOut">
               <a:rPr lang="en-US" smtClean="0"/>
-              <a:t>1/19/2022</a:t>
+              <a:t>1/20/2022</a:t>
             </a:fld>
             <a:endParaRPr lang="en-US"/>
           </a:p>
@@ -3498,7 +3533,7 @@
           <a:p>
             <a:fld id="{9454E242-1075-47E0-A162-55C960B37C1C}" type="datetimeFigureOut">
               <a:rPr lang="en-US" smtClean="0"/>
-              <a:t>1/19/2022</a:t>
+              <a:t>1/20/2022</a:t>
             </a:fld>
             <a:endParaRPr lang="en-US"/>
           </a:p>
@@ -3862,7 +3897,7 @@
           <a:p>
             <a:fld id="{9454E242-1075-47E0-A162-55C960B37C1C}" type="datetimeFigureOut">
               <a:rPr lang="en-US" smtClean="0"/>
-              <a:t>1/19/2022</a:t>
+              <a:t>1/20/2022</a:t>
             </a:fld>
             <a:endParaRPr lang="en-US"/>
           </a:p>
@@ -3979,7 +4014,7 @@
           <a:p>
             <a:fld id="{9454E242-1075-47E0-A162-55C960B37C1C}" type="datetimeFigureOut">
               <a:rPr lang="en-US" smtClean="0"/>
-              <a:t>1/19/2022</a:t>
+              <a:t>1/20/2022</a:t>
             </a:fld>
             <a:endParaRPr lang="en-US"/>
           </a:p>
@@ -4074,7 +4109,7 @@
           <a:p>
             <a:fld id="{9454E242-1075-47E0-A162-55C960B37C1C}" type="datetimeFigureOut">
               <a:rPr lang="en-US" smtClean="0"/>
-              <a:t>1/19/2022</a:t>
+              <a:t>1/20/2022</a:t>
             </a:fld>
             <a:endParaRPr lang="en-US"/>
           </a:p>
@@ -4349,7 +4384,7 @@
           <a:p>
             <a:fld id="{9454E242-1075-47E0-A162-55C960B37C1C}" type="datetimeFigureOut">
               <a:rPr lang="en-US" smtClean="0"/>
-              <a:t>1/19/2022</a:t>
+              <a:t>1/20/2022</a:t>
             </a:fld>
             <a:endParaRPr lang="en-US"/>
           </a:p>
@@ -4866,7 +4901,7 @@
           <a:p>
             <a:fld id="{9454E242-1075-47E0-A162-55C960B37C1C}" type="datetimeFigureOut">
               <a:rPr lang="en-US" smtClean="0"/>
-              <a:t>1/19/2022</a:t>
+              <a:t>1/20/2022</a:t>
             </a:fld>
             <a:endParaRPr lang="en-US"/>
           </a:p>
@@ -5034,7 +5069,7 @@
           <a:p>
             <a:fld id="{9454E242-1075-47E0-A162-55C960B37C1C}" type="datetimeFigureOut">
               <a:rPr lang="en-US" smtClean="0"/>
-              <a:t>1/19/2022</a:t>
+              <a:t>1/20/2022</a:t>
             </a:fld>
             <a:endParaRPr lang="en-US"/>
           </a:p>
@@ -5212,7 +5247,7 @@
           <a:p>
             <a:fld id="{9454E242-1075-47E0-A162-55C960B37C1C}" type="datetimeFigureOut">
               <a:rPr lang="en-US" smtClean="0"/>
-              <a:t>1/19/2022</a:t>
+              <a:t>1/20/2022</a:t>
             </a:fld>
             <a:endParaRPr lang="en-US"/>
           </a:p>
@@ -5475,7 +5510,7 @@
               <a:pPr>
                 <a:defRPr/>
               </a:pPr>
-              <a:t>1/19/2022</a:t>
+              <a:t>1/20/2022</a:t>
             </a:fld>
             <a:endParaRPr lang="en-US"/>
           </a:p>
@@ -5806,7 +5841,7 @@
               <a:pPr>
                 <a:defRPr/>
               </a:pPr>
-              <a:t>1/19/2022</a:t>
+              <a:t>1/20/2022</a:t>
             </a:fld>
             <a:endParaRPr lang="en-US"/>
           </a:p>
@@ -6271,7 +6306,7 @@
               <a:pPr>
                 <a:defRPr/>
               </a:pPr>
-              <a:t>1/19/2022</a:t>
+              <a:t>1/20/2022</a:t>
             </a:fld>
             <a:endParaRPr lang="en-US"/>
           </a:p>
@@ -6434,7 +6469,7 @@
               <a:pPr>
                 <a:defRPr/>
               </a:pPr>
-              <a:t>1/19/2022</a:t>
+              <a:t>1/20/2022</a:t>
             </a:fld>
             <a:endParaRPr lang="en-US"/>
           </a:p>
@@ -6575,7 +6610,7 @@
               <a:pPr>
                 <a:defRPr/>
               </a:pPr>
-              <a:t>1/19/2022</a:t>
+              <a:t>1/20/2022</a:t>
             </a:fld>
             <a:endParaRPr lang="en-US"/>
           </a:p>
@@ -6896,7 +6931,7 @@
               <a:pPr>
                 <a:defRPr/>
               </a:pPr>
-              <a:t>1/19/2022</a:t>
+              <a:t>1/20/2022</a:t>
             </a:fld>
             <a:endParaRPr lang="en-US"/>
           </a:p>
@@ -7197,7 +7232,7 @@
               <a:pPr>
                 <a:defRPr/>
               </a:pPr>
-              <a:t>1/19/2022</a:t>
+              <a:t>1/20/2022</a:t>
             </a:fld>
             <a:endParaRPr lang="en-US"/>
           </a:p>
@@ -8367,7 +8402,7 @@
           <a:p>
             <a:fld id="{9454E242-1075-47E0-A162-55C960B37C1C}" type="datetimeFigureOut">
               <a:rPr lang="en-US" smtClean="0"/>
-              <a:t>1/19/2022</a:t>
+              <a:t>1/20/2022</a:t>
             </a:fld>
             <a:endParaRPr lang="en-US"/>
           </a:p>
@@ -14299,6 +14334,11 @@
   <p:clrMapOvr>
     <a:masterClrMapping/>
   </p:clrMapOvr>
+  <p:extLst>
+    <p:ext uri="{6950BFC3-D8DA-4A85-94F7-54DA5524770B}">
+      <p188:commentRel xmlns:p188="http://schemas.microsoft.com/office/powerpoint/2018/8/main" r:id="rId2"/>
+    </p:ext>
+  </p:extLst>
 </p:sld>
 </file>
 
